--- a/style/images/ibmR.pptx
+++ b/style/images/ibmR.pptx
@@ -104,6 +104,11 @@
       </a:defRPr>
     </a:lvl9pPr>
   </p:defaultTextStyle>
+  <p:extLst>
+    <p:ext uri="{EFAFB233-063F-42B5-8137-9DF3F51BA10A}">
+      <p15:sldGuideLst xmlns:p15="http://schemas.microsoft.com/office/powerpoint/2012/main"/>
+    </p:ext>
+  </p:extLst>
 </p:presentation>
 </file>
 
@@ -3399,7 +3404,7 @@
           <a:prstGeom prst="rect">
             <a:avLst/>
           </a:prstGeom>
-          <a:ln w="76200">
+          <a:ln w="38100">
             <a:solidFill>
               <a:schemeClr val="tx1"/>
             </a:solidFill>
